--- a/figuras/figuras.pptx
+++ b/figuras/figuras.pptx
@@ -11,11 +11,12 @@
     <p:sldId id="264" r:id="rId5"/>
     <p:sldId id="265" r:id="rId6"/>
     <p:sldId id="266" r:id="rId7"/>
-    <p:sldId id="259" r:id="rId8"/>
-    <p:sldId id="260" r:id="rId9"/>
-    <p:sldId id="261" r:id="rId10"/>
-    <p:sldId id="262" r:id="rId11"/>
-    <p:sldId id="263" r:id="rId12"/>
+    <p:sldId id="267" r:id="rId8"/>
+    <p:sldId id="259" r:id="rId9"/>
+    <p:sldId id="260" r:id="rId10"/>
+    <p:sldId id="261" r:id="rId11"/>
+    <p:sldId id="262" r:id="rId12"/>
+    <p:sldId id="263" r:id="rId13"/>
   </p:sldIdLst>
   <p:sldSz cx="12192000" cy="6858000"/>
   <p:notesSz cx="6858000" cy="9144000"/>
@@ -124,6 +125,46 @@
 
 <file path=ppt/changesInfos/changesInfo1.xml><?xml version="1.0" encoding="utf-8"?>
 <pc:chgInfo xmlns:a="http://schemas.openxmlformats.org/drawingml/2006/main" xmlns:r="http://schemas.openxmlformats.org/officeDocument/2006/relationships" xmlns:ac="http://schemas.microsoft.com/office/drawing/2013/main/command" xmlns:pc="http://schemas.microsoft.com/office/powerpoint/2013/main/command">
+  <pc:docChgLst>
+    <pc:chgData userId="a3e282e98a6d8732" providerId="LiveId" clId="{35C782DE-623F-418C-8982-66DC30F57F69}"/>
+    <pc:docChg chg="custSel addSld modSld">
+      <pc:chgData name="" userId="a3e282e98a6d8732" providerId="LiveId" clId="{35C782DE-623F-418C-8982-66DC30F57F69}" dt="2023-03-30T15:36:27.544" v="133" actId="113"/>
+      <pc:docMkLst>
+        <pc:docMk/>
+      </pc:docMkLst>
+      <pc:sldChg chg="addSp delSp modSp add">
+        <pc:chgData name="" userId="a3e282e98a6d8732" providerId="LiveId" clId="{35C782DE-623F-418C-8982-66DC30F57F69}" dt="2023-03-30T15:36:27.544" v="133" actId="113"/>
+        <pc:sldMkLst>
+          <pc:docMk/>
+          <pc:sldMk cId="3664483803" sldId="267"/>
+        </pc:sldMkLst>
+        <pc:spChg chg="add mod">
+          <ac:chgData name="" userId="a3e282e98a6d8732" providerId="LiveId" clId="{35C782DE-623F-418C-8982-66DC30F57F69}" dt="2023-03-30T15:36:27.544" v="133" actId="113"/>
+          <ac:spMkLst>
+            <pc:docMk/>
+            <pc:sldMk cId="3664483803" sldId="267"/>
+            <ac:spMk id="2" creationId="{592223F4-EBB2-4FFC-A50E-60DC23C3C20E}"/>
+          </ac:spMkLst>
+        </pc:spChg>
+        <pc:spChg chg="del">
+          <ac:chgData name="" userId="a3e282e98a6d8732" providerId="LiveId" clId="{35C782DE-623F-418C-8982-66DC30F57F69}" dt="2023-03-30T15:32:01.863" v="1" actId="478"/>
+          <ac:spMkLst>
+            <pc:docMk/>
+            <pc:sldMk cId="3664483803" sldId="267"/>
+            <ac:spMk id="3" creationId="{8998BC40-4D0D-4D68-A061-0B8E3311B73A}"/>
+          </ac:spMkLst>
+        </pc:spChg>
+        <pc:spChg chg="del">
+          <ac:chgData name="" userId="a3e282e98a6d8732" providerId="LiveId" clId="{35C782DE-623F-418C-8982-66DC30F57F69}" dt="2023-03-30T15:32:03.946" v="2" actId="478"/>
+          <ac:spMkLst>
+            <pc:docMk/>
+            <pc:sldMk cId="3664483803" sldId="267"/>
+            <ac:spMk id="6" creationId="{DC11D84E-7D76-43F6-AAFB-A693363915C3}"/>
+          </ac:spMkLst>
+        </pc:spChg>
+      </pc:sldChg>
+    </pc:docChg>
+  </pc:docChgLst>
   <pc:docChgLst>
     <pc:chgData userId="a3e282e98a6d8732" providerId="LiveId" clId="{09989930-FFFA-49D6-A901-347AB85D991C}"/>
     <pc:docChg chg="custSel addSld modSld">
@@ -447,7 +488,7 @@
           <a:p>
             <a:fld id="{CB3594E9-BB18-4264-B980-B6E6CA57551C}" type="datetimeFigureOut">
               <a:rPr lang="pt-BR" smtClean="0"/>
-              <a:t>28/03/2023</a:t>
+              <a:t>30/03/2023</a:t>
             </a:fld>
             <a:endParaRPr lang="pt-BR"/>
           </a:p>
@@ -645,7 +686,7 @@
           <a:p>
             <a:fld id="{CB3594E9-BB18-4264-B980-B6E6CA57551C}" type="datetimeFigureOut">
               <a:rPr lang="pt-BR" smtClean="0"/>
-              <a:t>28/03/2023</a:t>
+              <a:t>30/03/2023</a:t>
             </a:fld>
             <a:endParaRPr lang="pt-BR"/>
           </a:p>
@@ -853,7 +894,7 @@
           <a:p>
             <a:fld id="{CB3594E9-BB18-4264-B980-B6E6CA57551C}" type="datetimeFigureOut">
               <a:rPr lang="pt-BR" smtClean="0"/>
-              <a:t>28/03/2023</a:t>
+              <a:t>30/03/2023</a:t>
             </a:fld>
             <a:endParaRPr lang="pt-BR"/>
           </a:p>
@@ -1051,7 +1092,7 @@
           <a:p>
             <a:fld id="{CB3594E9-BB18-4264-B980-B6E6CA57551C}" type="datetimeFigureOut">
               <a:rPr lang="pt-BR" smtClean="0"/>
-              <a:t>28/03/2023</a:t>
+              <a:t>30/03/2023</a:t>
             </a:fld>
             <a:endParaRPr lang="pt-BR"/>
           </a:p>
@@ -1326,7 +1367,7 @@
           <a:p>
             <a:fld id="{CB3594E9-BB18-4264-B980-B6E6CA57551C}" type="datetimeFigureOut">
               <a:rPr lang="pt-BR" smtClean="0"/>
-              <a:t>28/03/2023</a:t>
+              <a:t>30/03/2023</a:t>
             </a:fld>
             <a:endParaRPr lang="pt-BR"/>
           </a:p>
@@ -1591,7 +1632,7 @@
           <a:p>
             <a:fld id="{CB3594E9-BB18-4264-B980-B6E6CA57551C}" type="datetimeFigureOut">
               <a:rPr lang="pt-BR" smtClean="0"/>
-              <a:t>28/03/2023</a:t>
+              <a:t>30/03/2023</a:t>
             </a:fld>
             <a:endParaRPr lang="pt-BR"/>
           </a:p>
@@ -2003,7 +2044,7 @@
           <a:p>
             <a:fld id="{CB3594E9-BB18-4264-B980-B6E6CA57551C}" type="datetimeFigureOut">
               <a:rPr lang="pt-BR" smtClean="0"/>
-              <a:t>28/03/2023</a:t>
+              <a:t>30/03/2023</a:t>
             </a:fld>
             <a:endParaRPr lang="pt-BR"/>
           </a:p>
@@ -2144,7 +2185,7 @@
           <a:p>
             <a:fld id="{CB3594E9-BB18-4264-B980-B6E6CA57551C}" type="datetimeFigureOut">
               <a:rPr lang="pt-BR" smtClean="0"/>
-              <a:t>28/03/2023</a:t>
+              <a:t>30/03/2023</a:t>
             </a:fld>
             <a:endParaRPr lang="pt-BR"/>
           </a:p>
@@ -2257,7 +2298,7 @@
           <a:p>
             <a:fld id="{CB3594E9-BB18-4264-B980-B6E6CA57551C}" type="datetimeFigureOut">
               <a:rPr lang="pt-BR" smtClean="0"/>
-              <a:t>28/03/2023</a:t>
+              <a:t>30/03/2023</a:t>
             </a:fld>
             <a:endParaRPr lang="pt-BR"/>
           </a:p>
@@ -2568,7 +2609,7 @@
           <a:p>
             <a:fld id="{CB3594E9-BB18-4264-B980-B6E6CA57551C}" type="datetimeFigureOut">
               <a:rPr lang="pt-BR" smtClean="0"/>
-              <a:t>28/03/2023</a:t>
+              <a:t>30/03/2023</a:t>
             </a:fld>
             <a:endParaRPr lang="pt-BR"/>
           </a:p>
@@ -2856,7 +2897,7 @@
           <a:p>
             <a:fld id="{CB3594E9-BB18-4264-B980-B6E6CA57551C}" type="datetimeFigureOut">
               <a:rPr lang="pt-BR" smtClean="0"/>
-              <a:t>28/03/2023</a:t>
+              <a:t>30/03/2023</a:t>
             </a:fld>
             <a:endParaRPr lang="pt-BR"/>
           </a:p>
@@ -3097,7 +3138,7 @@
           <a:p>
             <a:fld id="{CB3594E9-BB18-4264-B980-B6E6CA57551C}" type="datetimeFigureOut">
               <a:rPr lang="pt-BR" smtClean="0"/>
-              <a:t>28/03/2023</a:t>
+              <a:t>30/03/2023</a:t>
             </a:fld>
             <a:endParaRPr lang="pt-BR"/>
           </a:p>
@@ -4267,6 +4308,354 @@
           <a:chExt cx="0" cy="0"/>
         </a:xfrm>
       </p:grpSpPr>
+      <p:sp>
+        <p:nvSpPr>
+          <p:cNvPr id="8" name="Elipse 7">
+            <a:extLst>
+              <a:ext uri="{FF2B5EF4-FFF2-40B4-BE49-F238E27FC236}">
+                <a16:creationId xmlns:a16="http://schemas.microsoft.com/office/drawing/2014/main" id="{BF06ECF6-F03C-4424-A68B-CD10279A3460}"/>
+              </a:ext>
+            </a:extLst>
+          </p:cNvPr>
+          <p:cNvSpPr/>
+          <p:nvPr/>
+        </p:nvSpPr>
+        <p:spPr>
+          <a:xfrm>
+            <a:off x="552450" y="366712"/>
+            <a:ext cx="1440000" cy="1440000"/>
+          </a:xfrm>
+          <a:prstGeom prst="ellipse">
+            <a:avLst/>
+          </a:prstGeom>
+          <a:noFill/>
+          <a:ln w="19050">
+            <a:solidFill>
+              <a:schemeClr val="tx1"/>
+            </a:solidFill>
+          </a:ln>
+        </p:spPr>
+        <p:style>
+          <a:lnRef idx="2">
+            <a:schemeClr val="accent1">
+              <a:shade val="50000"/>
+            </a:schemeClr>
+          </a:lnRef>
+          <a:fillRef idx="1">
+            <a:schemeClr val="accent1"/>
+          </a:fillRef>
+          <a:effectRef idx="0">
+            <a:schemeClr val="accent1"/>
+          </a:effectRef>
+          <a:fontRef idx="minor">
+            <a:schemeClr val="lt1"/>
+          </a:fontRef>
+        </p:style>
+        <p:txBody>
+          <a:bodyPr rtlCol="0" anchor="ctr"/>
+          <a:lstStyle/>
+          <a:p>
+            <a:pPr algn="ctr"/>
+            <a:endParaRPr lang="pt-BR"/>
+          </a:p>
+        </p:txBody>
+      </p:sp>
+      <p:sp>
+        <p:nvSpPr>
+          <p:cNvPr id="10" name="Elipse 9">
+            <a:extLst>
+              <a:ext uri="{FF2B5EF4-FFF2-40B4-BE49-F238E27FC236}">
+                <a16:creationId xmlns:a16="http://schemas.microsoft.com/office/drawing/2014/main" id="{F12FF248-C959-4A16-A0DE-7FB082B007E9}"/>
+              </a:ext>
+            </a:extLst>
+          </p:cNvPr>
+          <p:cNvSpPr/>
+          <p:nvPr/>
+        </p:nvSpPr>
+        <p:spPr>
+          <a:xfrm>
+            <a:off x="1276350" y="366712"/>
+            <a:ext cx="1440000" cy="1440000"/>
+          </a:xfrm>
+          <a:prstGeom prst="ellipse">
+            <a:avLst/>
+          </a:prstGeom>
+          <a:noFill/>
+          <a:ln w="19050">
+            <a:solidFill>
+              <a:schemeClr val="tx1"/>
+            </a:solidFill>
+          </a:ln>
+        </p:spPr>
+        <p:style>
+          <a:lnRef idx="2">
+            <a:schemeClr val="accent1">
+              <a:shade val="50000"/>
+            </a:schemeClr>
+          </a:lnRef>
+          <a:fillRef idx="1">
+            <a:schemeClr val="accent1"/>
+          </a:fillRef>
+          <a:effectRef idx="0">
+            <a:schemeClr val="accent1"/>
+          </a:effectRef>
+          <a:fontRef idx="minor">
+            <a:schemeClr val="lt1"/>
+          </a:fontRef>
+        </p:style>
+        <p:txBody>
+          <a:bodyPr rtlCol="0" anchor="ctr"/>
+          <a:lstStyle/>
+          <a:p>
+            <a:pPr algn="ctr"/>
+            <a:endParaRPr lang="pt-BR"/>
+          </a:p>
+        </p:txBody>
+      </p:sp>
+      <p:pic>
+        <p:nvPicPr>
+          <p:cNvPr id="12" name="Imagem 11">
+            <a:extLst>
+              <a:ext uri="{FF2B5EF4-FFF2-40B4-BE49-F238E27FC236}">
+                <a16:creationId xmlns:a16="http://schemas.microsoft.com/office/drawing/2014/main" id="{9121E073-9D9A-4DF5-A7F3-B7FF8EDE6B21}"/>
+              </a:ext>
+            </a:extLst>
+          </p:cNvPr>
+          <p:cNvPicPr>
+            <a:picLocks noChangeAspect="1"/>
+          </p:cNvPicPr>
+          <p:nvPr/>
+        </p:nvPicPr>
+        <p:blipFill>
+          <a:blip r:embed="rId2">
+            <a:extLst>
+              <a:ext uri="{28A0092B-C50C-407E-A947-70E740481C1C}">
+                <a14:useLocalDpi xmlns:a14="http://schemas.microsoft.com/office/drawing/2010/main" val="0"/>
+              </a:ext>
+            </a:extLst>
+          </a:blip>
+          <a:stretch>
+            <a:fillRect/>
+          </a:stretch>
+        </p:blipFill>
+        <p:spPr>
+          <a:xfrm>
+            <a:off x="9672485" y="199922"/>
+            <a:ext cx="2181529" cy="1467055"/>
+          </a:xfrm>
+          <a:prstGeom prst="rect">
+            <a:avLst/>
+          </a:prstGeom>
+        </p:spPr>
+      </p:pic>
+      <p:sp>
+        <p:nvSpPr>
+          <p:cNvPr id="13" name="Retângulo 12">
+            <a:extLst>
+              <a:ext uri="{FF2B5EF4-FFF2-40B4-BE49-F238E27FC236}">
+                <a16:creationId xmlns:a16="http://schemas.microsoft.com/office/drawing/2014/main" id="{6C56119D-EA3B-4868-9301-CC377D8E2B27}"/>
+              </a:ext>
+            </a:extLst>
+          </p:cNvPr>
+          <p:cNvSpPr/>
+          <p:nvPr/>
+        </p:nvSpPr>
+        <p:spPr>
+          <a:xfrm>
+            <a:off x="9849906" y="882134"/>
+            <a:ext cx="466474" cy="215444"/>
+          </a:xfrm>
+          <a:prstGeom prst="rect">
+            <a:avLst/>
+          </a:prstGeom>
+        </p:spPr>
+        <p:txBody>
+          <a:bodyPr wrap="none" lIns="0" tIns="0" rIns="0" bIns="0">
+            <a:spAutoFit/>
+          </a:bodyPr>
+          <a:lstStyle/>
+          <a:p>
+            <a:r>
+              <a:rPr lang="pt-BR" sz="1400" b="1" dirty="0">
+                <a:latin typeface="Arial" panose="020B0604020202020204" pitchFamily="34" charset="0"/>
+                <a:cs typeface="Times New Roman" panose="02020603050405020304" pitchFamily="18" charset="0"/>
+              </a:rPr>
+              <a:t>tb_01</a:t>
+            </a:r>
+            <a:endParaRPr lang="pt-BR" sz="1400" b="1" dirty="0"/>
+          </a:p>
+        </p:txBody>
+      </p:sp>
+      <p:sp>
+        <p:nvSpPr>
+          <p:cNvPr id="14" name="Retângulo 13">
+            <a:extLst>
+              <a:ext uri="{FF2B5EF4-FFF2-40B4-BE49-F238E27FC236}">
+                <a16:creationId xmlns:a16="http://schemas.microsoft.com/office/drawing/2014/main" id="{05AB835D-B0A3-4AF3-84BB-AE3FFC7FFBCB}"/>
+              </a:ext>
+            </a:extLst>
+          </p:cNvPr>
+          <p:cNvSpPr/>
+          <p:nvPr/>
+        </p:nvSpPr>
+        <p:spPr>
+          <a:xfrm>
+            <a:off x="11240556" y="882134"/>
+            <a:ext cx="466474" cy="215444"/>
+          </a:xfrm>
+          <a:prstGeom prst="rect">
+            <a:avLst/>
+          </a:prstGeom>
+        </p:spPr>
+        <p:txBody>
+          <a:bodyPr wrap="none" lIns="0" tIns="0" rIns="0" bIns="0">
+            <a:spAutoFit/>
+          </a:bodyPr>
+          <a:lstStyle/>
+          <a:p>
+            <a:r>
+              <a:rPr lang="pt-BR" sz="1400" b="1" dirty="0">
+                <a:latin typeface="Arial" panose="020B0604020202020204" pitchFamily="34" charset="0"/>
+                <a:cs typeface="Times New Roman" panose="02020603050405020304" pitchFamily="18" charset="0"/>
+              </a:rPr>
+              <a:t>tb_02</a:t>
+            </a:r>
+            <a:endParaRPr lang="pt-BR" sz="1400" b="1" dirty="0"/>
+          </a:p>
+        </p:txBody>
+      </p:sp>
+      <p:pic>
+        <p:nvPicPr>
+          <p:cNvPr id="9" name="Imagem 8">
+            <a:extLst>
+              <a:ext uri="{FF2B5EF4-FFF2-40B4-BE49-F238E27FC236}">
+                <a16:creationId xmlns:a16="http://schemas.microsoft.com/office/drawing/2014/main" id="{63306EC4-65CC-404E-B21B-9760CFFF8FD1}"/>
+              </a:ext>
+            </a:extLst>
+          </p:cNvPr>
+          <p:cNvPicPr>
+            <a:picLocks noChangeAspect="1"/>
+          </p:cNvPicPr>
+          <p:nvPr/>
+        </p:nvPicPr>
+        <p:blipFill>
+          <a:blip r:embed="rId3">
+            <a:extLst>
+              <a:ext uri="{28A0092B-C50C-407E-A947-70E740481C1C}">
+                <a14:useLocalDpi xmlns:a14="http://schemas.microsoft.com/office/drawing/2010/main" val="0"/>
+              </a:ext>
+            </a:extLst>
+          </a:blip>
+          <a:stretch>
+            <a:fillRect/>
+          </a:stretch>
+        </p:blipFill>
+        <p:spPr>
+          <a:xfrm flipH="1">
+            <a:off x="5384930" y="1804758"/>
+            <a:ext cx="1422138" cy="956375"/>
+          </a:xfrm>
+          <a:prstGeom prst="rect">
+            <a:avLst/>
+          </a:prstGeom>
+        </p:spPr>
+      </p:pic>
+      <p:pic>
+        <p:nvPicPr>
+          <p:cNvPr id="11" name="Imagem 10">
+            <a:extLst>
+              <a:ext uri="{FF2B5EF4-FFF2-40B4-BE49-F238E27FC236}">
+                <a16:creationId xmlns:a16="http://schemas.microsoft.com/office/drawing/2014/main" id="{66EE404D-F9E8-48F9-8860-057C443AE089}"/>
+              </a:ext>
+            </a:extLst>
+          </p:cNvPr>
+          <p:cNvPicPr>
+            <a:picLocks noChangeAspect="1"/>
+          </p:cNvPicPr>
+          <p:nvPr/>
+        </p:nvPicPr>
+        <p:blipFill>
+          <a:blip r:embed="rId4"/>
+          <a:stretch>
+            <a:fillRect/>
+          </a:stretch>
+        </p:blipFill>
+        <p:spPr>
+          <a:xfrm>
+            <a:off x="5420363" y="2157754"/>
+            <a:ext cx="1351272" cy="250382"/>
+          </a:xfrm>
+          <a:prstGeom prst="rect">
+            <a:avLst/>
+          </a:prstGeom>
+        </p:spPr>
+      </p:pic>
+      <p:pic>
+        <p:nvPicPr>
+          <p:cNvPr id="3" name="Imagem 2">
+            <a:extLst>
+              <a:ext uri="{FF2B5EF4-FFF2-40B4-BE49-F238E27FC236}">
+                <a16:creationId xmlns:a16="http://schemas.microsoft.com/office/drawing/2014/main" id="{E3A51A4D-8A4B-4683-B8A5-A2D879BBD937}"/>
+              </a:ext>
+            </a:extLst>
+          </p:cNvPr>
+          <p:cNvPicPr>
+            <a:picLocks noChangeAspect="1"/>
+          </p:cNvPicPr>
+          <p:nvPr/>
+        </p:nvPicPr>
+        <p:blipFill>
+          <a:blip r:embed="rId5">
+            <a:extLst>
+              <a:ext uri="{28A0092B-C50C-407E-A947-70E740481C1C}">
+                <a14:useLocalDpi xmlns:a14="http://schemas.microsoft.com/office/drawing/2010/main" val="0"/>
+              </a:ext>
+            </a:extLst>
+          </a:blip>
+          <a:stretch>
+            <a:fillRect/>
+          </a:stretch>
+        </p:blipFill>
+        <p:spPr>
+          <a:xfrm>
+            <a:off x="3032494" y="2761133"/>
+            <a:ext cx="6127011" cy="4096867"/>
+          </a:xfrm>
+          <a:prstGeom prst="rect">
+            <a:avLst/>
+          </a:prstGeom>
+        </p:spPr>
+      </p:pic>
+    </p:spTree>
+    <p:extLst>
+      <p:ext uri="{BB962C8B-B14F-4D97-AF65-F5344CB8AC3E}">
+        <p14:creationId xmlns:p14="http://schemas.microsoft.com/office/powerpoint/2010/main" val="4105289379"/>
+      </p:ext>
+    </p:extLst>
+  </p:cSld>
+  <p:clrMapOvr>
+    <a:masterClrMapping/>
+  </p:clrMapOvr>
+</p:sld>
+</file>
+
+<file path=ppt/slides/slide11.xml><?xml version="1.0" encoding="utf-8"?>
+<p:sld xmlns:a="http://schemas.openxmlformats.org/drawingml/2006/main" xmlns:r="http://schemas.openxmlformats.org/officeDocument/2006/relationships" xmlns:p="http://schemas.openxmlformats.org/presentationml/2006/main">
+  <p:cSld>
+    <p:spTree>
+      <p:nvGrpSpPr>
+        <p:cNvPr id="1" name=""/>
+        <p:cNvGrpSpPr/>
+        <p:nvPr/>
+      </p:nvGrpSpPr>
+      <p:grpSpPr>
+        <a:xfrm>
+          <a:off x="0" y="0"/>
+          <a:ext cx="0" cy="0"/>
+          <a:chOff x="0" y="0"/>
+          <a:chExt cx="0" cy="0"/>
+        </a:xfrm>
+      </p:grpSpPr>
       <p:pic>
         <p:nvPicPr>
           <p:cNvPr id="9" name="Imagem 8">
@@ -4634,7 +5023,7 @@
 </p:sld>
 </file>
 
-<file path=ppt/slides/slide11.xml><?xml version="1.0" encoding="utf-8"?>
+<file path=ppt/slides/slide12.xml><?xml version="1.0" encoding="utf-8"?>
 <p:sld xmlns:a="http://schemas.openxmlformats.org/drawingml/2006/main" xmlns:r="http://schemas.openxmlformats.org/officeDocument/2006/relationships" xmlns:p="http://schemas.openxmlformats.org/presentationml/2006/main">
   <p:cSld>
     <p:spTree>
@@ -14822,6 +15211,351 @@
           <a:chExt cx="0" cy="0"/>
         </a:xfrm>
       </p:grpSpPr>
+      <p:sp>
+        <p:nvSpPr>
+          <p:cNvPr id="2" name="Retângulo 1">
+            <a:extLst>
+              <a:ext uri="{FF2B5EF4-FFF2-40B4-BE49-F238E27FC236}">
+                <a16:creationId xmlns:a16="http://schemas.microsoft.com/office/drawing/2014/main" id="{592223F4-EBB2-4FFC-A50E-60DC23C3C20E}"/>
+              </a:ext>
+            </a:extLst>
+          </p:cNvPr>
+          <p:cNvSpPr/>
+          <p:nvPr/>
+        </p:nvSpPr>
+        <p:spPr>
+          <a:xfrm>
+            <a:off x="1420436" y="2287379"/>
+            <a:ext cx="9351129" cy="2308324"/>
+          </a:xfrm>
+          <a:prstGeom prst="rect">
+            <a:avLst/>
+          </a:prstGeom>
+        </p:spPr>
+        <p:txBody>
+          <a:bodyPr>
+            <a:spAutoFit/>
+          </a:bodyPr>
+          <a:lstStyle/>
+          <a:p>
+            <a:r>
+              <a:rPr lang="pt-BR" dirty="0">
+                <a:solidFill>
+                  <a:srgbClr val="808080"/>
+                </a:solidFill>
+                <a:latin typeface="Consolas" panose="020B0609020204030204" pitchFamily="49" charset="0"/>
+              </a:rPr>
+              <a:t>--Selecionar todos os domicílios com Renda Domiciliar Real acima da média</a:t>
+            </a:r>
+          </a:p>
+          <a:p>
+            <a:r>
+              <a:rPr lang="pt-BR" b="1" dirty="0">
+                <a:solidFill>
+                  <a:srgbClr val="800000"/>
+                </a:solidFill>
+                <a:latin typeface="Consolas" panose="020B0609020204030204" pitchFamily="49" charset="0"/>
+              </a:rPr>
+              <a:t>SELECT</a:t>
+            </a:r>
+          </a:p>
+          <a:p>
+            <a:r>
+              <a:rPr lang="pt-BR" dirty="0">
+                <a:solidFill>
+                  <a:srgbClr val="000000"/>
+                </a:solidFill>
+                <a:latin typeface="Consolas" panose="020B0609020204030204" pitchFamily="49" charset="0"/>
+              </a:rPr>
+              <a:t> m.*</a:t>
+            </a:r>
+          </a:p>
+          <a:p>
+            <a:r>
+              <a:rPr lang="pt-BR" b="1" dirty="0">
+                <a:solidFill>
+                  <a:srgbClr val="800000"/>
+                </a:solidFill>
+                <a:latin typeface="Consolas" panose="020B0609020204030204" pitchFamily="49" charset="0"/>
+              </a:rPr>
+              <a:t>FROM</a:t>
+            </a:r>
+            <a:r>
+              <a:rPr lang="pt-BR" dirty="0">
+                <a:solidFill>
+                  <a:srgbClr val="000000"/>
+                </a:solidFill>
+                <a:latin typeface="Consolas" panose="020B0609020204030204" pitchFamily="49" charset="0"/>
+              </a:rPr>
+              <a:t> pdad.dom2021 m </a:t>
+            </a:r>
+          </a:p>
+          <a:p>
+            <a:r>
+              <a:rPr lang="pt-BR" b="1" dirty="0">
+                <a:solidFill>
+                  <a:srgbClr val="800000"/>
+                </a:solidFill>
+                <a:latin typeface="Consolas" panose="020B0609020204030204" pitchFamily="49" charset="0"/>
+              </a:rPr>
+              <a:t>WHERE</a:t>
+            </a:r>
+            <a:r>
+              <a:rPr lang="pt-BR" dirty="0">
+                <a:solidFill>
+                  <a:srgbClr val="000000"/>
+                </a:solidFill>
+                <a:latin typeface="Consolas" panose="020B0609020204030204" pitchFamily="49" charset="0"/>
+              </a:rPr>
+              <a:t> </a:t>
+            </a:r>
+            <a:r>
+              <a:rPr lang="pt-BR" dirty="0" err="1">
+                <a:solidFill>
+                  <a:srgbClr val="000000"/>
+                </a:solidFill>
+                <a:latin typeface="Consolas" panose="020B0609020204030204" pitchFamily="49" charset="0"/>
+              </a:rPr>
+              <a:t>m.renda_domiciliar_r</a:t>
+            </a:r>
+            <a:r>
+              <a:rPr lang="pt-BR" dirty="0">
+                <a:solidFill>
+                  <a:srgbClr val="000000"/>
+                </a:solidFill>
+                <a:latin typeface="Consolas" panose="020B0609020204030204" pitchFamily="49" charset="0"/>
+              </a:rPr>
+              <a:t> &gt; (</a:t>
+            </a:r>
+            <a:r>
+              <a:rPr lang="pt-BR" b="1" dirty="0">
+                <a:solidFill>
+                  <a:srgbClr val="800000"/>
+                </a:solidFill>
+                <a:latin typeface="Consolas" panose="020B0609020204030204" pitchFamily="49" charset="0"/>
+              </a:rPr>
+              <a:t>SELECT</a:t>
+            </a:r>
+          </a:p>
+          <a:p>
+            <a:r>
+              <a:rPr lang="pt-BR" dirty="0">
+                <a:solidFill>
+                  <a:srgbClr val="000000"/>
+                </a:solidFill>
+                <a:latin typeface="Consolas" panose="020B0609020204030204" pitchFamily="49" charset="0"/>
+              </a:rPr>
+              <a:t>                               </a:t>
+            </a:r>
+            <a:r>
+              <a:rPr lang="pt-BR" b="1" dirty="0">
+                <a:solidFill>
+                  <a:srgbClr val="000080"/>
+                </a:solidFill>
+                <a:latin typeface="Consolas" panose="020B0609020204030204" pitchFamily="49" charset="0"/>
+              </a:rPr>
+              <a:t>AVG</a:t>
+            </a:r>
+            <a:r>
+              <a:rPr lang="pt-BR" b="1" dirty="0">
+                <a:solidFill>
+                  <a:srgbClr val="000000"/>
+                </a:solidFill>
+                <a:latin typeface="Consolas" panose="020B0609020204030204" pitchFamily="49" charset="0"/>
+              </a:rPr>
+              <a:t>(</a:t>
+            </a:r>
+            <a:r>
+              <a:rPr lang="pt-BR" dirty="0" err="1">
+                <a:solidFill>
+                  <a:srgbClr val="000000"/>
+                </a:solidFill>
+                <a:latin typeface="Consolas" panose="020B0609020204030204" pitchFamily="49" charset="0"/>
+              </a:rPr>
+              <a:t>renda_domiciliar_r</a:t>
+            </a:r>
+            <a:r>
+              <a:rPr lang="pt-BR" b="1" dirty="0">
+                <a:solidFill>
+                  <a:srgbClr val="000000"/>
+                </a:solidFill>
+                <a:latin typeface="Consolas" panose="020B0609020204030204" pitchFamily="49" charset="0"/>
+              </a:rPr>
+              <a:t>)</a:t>
+            </a:r>
+          </a:p>
+          <a:p>
+            <a:r>
+              <a:rPr lang="pt-BR" dirty="0">
+                <a:solidFill>
+                  <a:srgbClr val="000000"/>
+                </a:solidFill>
+                <a:latin typeface="Consolas" panose="020B0609020204030204" pitchFamily="49" charset="0"/>
+              </a:rPr>
+              <a:t>                              </a:t>
+            </a:r>
+            <a:r>
+              <a:rPr lang="pt-BR" b="1" dirty="0">
+                <a:solidFill>
+                  <a:srgbClr val="800000"/>
+                </a:solidFill>
+                <a:latin typeface="Consolas" panose="020B0609020204030204" pitchFamily="49" charset="0"/>
+              </a:rPr>
+              <a:t>FROM</a:t>
+            </a:r>
+            <a:r>
+              <a:rPr lang="pt-BR" b="1" dirty="0">
+                <a:solidFill>
+                  <a:srgbClr val="000000"/>
+                </a:solidFill>
+                <a:latin typeface="Consolas" panose="020B0609020204030204" pitchFamily="49" charset="0"/>
+              </a:rPr>
+              <a:t> </a:t>
+            </a:r>
+            <a:r>
+              <a:rPr lang="pt-BR" dirty="0">
+                <a:solidFill>
+                  <a:srgbClr val="000000"/>
+                </a:solidFill>
+                <a:latin typeface="Consolas" panose="020B0609020204030204" pitchFamily="49" charset="0"/>
+              </a:rPr>
+              <a:t>pdad.dom2021</a:t>
+            </a:r>
+          </a:p>
+          <a:p>
+            <a:r>
+              <a:rPr lang="pt-BR" dirty="0">
+                <a:solidFill>
+                  <a:srgbClr val="000000"/>
+                </a:solidFill>
+                <a:latin typeface="Consolas" panose="020B0609020204030204" pitchFamily="49" charset="0"/>
+              </a:rPr>
+              <a:t>                              </a:t>
+            </a:r>
+            <a:r>
+              <a:rPr lang="pt-BR" b="1" dirty="0">
+                <a:solidFill>
+                  <a:srgbClr val="800000"/>
+                </a:solidFill>
+                <a:latin typeface="Consolas" panose="020B0609020204030204" pitchFamily="49" charset="0"/>
+              </a:rPr>
+              <a:t>WHERE</a:t>
+            </a:r>
+            <a:r>
+              <a:rPr lang="pt-BR" b="1" dirty="0">
+                <a:solidFill>
+                  <a:srgbClr val="000000"/>
+                </a:solidFill>
+                <a:latin typeface="Consolas" panose="020B0609020204030204" pitchFamily="49" charset="0"/>
+              </a:rPr>
+              <a:t> </a:t>
+            </a:r>
+            <a:r>
+              <a:rPr lang="pt-BR" dirty="0" err="1">
+                <a:solidFill>
+                  <a:srgbClr val="000000"/>
+                </a:solidFill>
+                <a:latin typeface="Consolas" panose="020B0609020204030204" pitchFamily="49" charset="0"/>
+              </a:rPr>
+              <a:t>renda_domiciliar_r</a:t>
+            </a:r>
+            <a:r>
+              <a:rPr lang="pt-BR" b="1" dirty="0">
+                <a:solidFill>
+                  <a:srgbClr val="000000"/>
+                </a:solidFill>
+                <a:latin typeface="Consolas" panose="020B0609020204030204" pitchFamily="49" charset="0"/>
+              </a:rPr>
+              <a:t> </a:t>
+            </a:r>
+            <a:r>
+              <a:rPr lang="pt-BR" b="1" dirty="0">
+                <a:solidFill>
+                  <a:srgbClr val="800000"/>
+                </a:solidFill>
+                <a:latin typeface="Consolas" panose="020B0609020204030204" pitchFamily="49" charset="0"/>
+              </a:rPr>
+              <a:t>IS</a:t>
+            </a:r>
+            <a:r>
+              <a:rPr lang="pt-BR" b="1" dirty="0">
+                <a:solidFill>
+                  <a:srgbClr val="000000"/>
+                </a:solidFill>
+                <a:latin typeface="Consolas" panose="020B0609020204030204" pitchFamily="49" charset="0"/>
+              </a:rPr>
+              <a:t> </a:t>
+            </a:r>
+            <a:r>
+              <a:rPr lang="pt-BR" b="1" dirty="0">
+                <a:solidFill>
+                  <a:srgbClr val="800000"/>
+                </a:solidFill>
+                <a:latin typeface="Consolas" panose="020B0609020204030204" pitchFamily="49" charset="0"/>
+              </a:rPr>
+              <a:t>NOT</a:t>
+            </a:r>
+            <a:r>
+              <a:rPr lang="pt-BR" b="1" dirty="0">
+                <a:solidFill>
+                  <a:srgbClr val="000000"/>
+                </a:solidFill>
+                <a:latin typeface="Consolas" panose="020B0609020204030204" pitchFamily="49" charset="0"/>
+              </a:rPr>
+              <a:t> </a:t>
+            </a:r>
+            <a:r>
+              <a:rPr lang="pt-BR" b="1" dirty="0">
+                <a:solidFill>
+                  <a:srgbClr val="800000"/>
+                </a:solidFill>
+                <a:latin typeface="Consolas" panose="020B0609020204030204" pitchFamily="49" charset="0"/>
+              </a:rPr>
+              <a:t>NULL</a:t>
+            </a:r>
+            <a:r>
+              <a:rPr lang="pt-BR" b="1" dirty="0">
+                <a:solidFill>
+                  <a:srgbClr val="000000"/>
+                </a:solidFill>
+                <a:latin typeface="Consolas" panose="020B0609020204030204" pitchFamily="49" charset="0"/>
+              </a:rPr>
+              <a:t>)</a:t>
+            </a:r>
+            <a:endParaRPr lang="pt-BR" dirty="0"/>
+          </a:p>
+        </p:txBody>
+      </p:sp>
+    </p:spTree>
+    <p:extLst>
+      <p:ext uri="{BB962C8B-B14F-4D97-AF65-F5344CB8AC3E}">
+        <p14:creationId xmlns:p14="http://schemas.microsoft.com/office/powerpoint/2010/main" val="3664483803"/>
+      </p:ext>
+    </p:extLst>
+  </p:cSld>
+  <p:clrMapOvr>
+    <a:masterClrMapping/>
+  </p:clrMapOvr>
+</p:sld>
+</file>
+
+<file path=ppt/slides/slide8.xml><?xml version="1.0" encoding="utf-8"?>
+<p:sld xmlns:a="http://schemas.openxmlformats.org/drawingml/2006/main" xmlns:r="http://schemas.openxmlformats.org/officeDocument/2006/relationships" xmlns:p="http://schemas.openxmlformats.org/presentationml/2006/main">
+  <p:cSld>
+    <p:spTree>
+      <p:nvGrpSpPr>
+        <p:cNvPr id="1" name=""/>
+        <p:cNvGrpSpPr/>
+        <p:nvPr/>
+      </p:nvGrpSpPr>
+      <p:grpSpPr>
+        <a:xfrm>
+          <a:off x="0" y="0"/>
+          <a:ext cx="0" cy="0"/>
+          <a:chOff x="0" y="0"/>
+          <a:chExt cx="0" cy="0"/>
+        </a:xfrm>
+      </p:grpSpPr>
       <p:pic>
         <p:nvPicPr>
           <p:cNvPr id="5" name="Imagem 4">
@@ -15117,7 +15851,7 @@
 </p:sld>
 </file>
 
-<file path=ppt/slides/slide8.xml><?xml version="1.0" encoding="utf-8"?>
+<file path=ppt/slides/slide9.xml><?xml version="1.0" encoding="utf-8"?>
 <p:sld xmlns:a="http://schemas.openxmlformats.org/drawingml/2006/main" xmlns:r="http://schemas.openxmlformats.org/officeDocument/2006/relationships" xmlns:p="http://schemas.openxmlformats.org/presentationml/2006/main">
   <p:cSld>
     <p:spTree>
@@ -15456,354 +16190,6 @@
     <p:extLst>
       <p:ext uri="{BB962C8B-B14F-4D97-AF65-F5344CB8AC3E}">
         <p14:creationId xmlns:p14="http://schemas.microsoft.com/office/powerpoint/2010/main" val="1359693528"/>
-      </p:ext>
-    </p:extLst>
-  </p:cSld>
-  <p:clrMapOvr>
-    <a:masterClrMapping/>
-  </p:clrMapOvr>
-</p:sld>
-</file>
-
-<file path=ppt/slides/slide9.xml><?xml version="1.0" encoding="utf-8"?>
-<p:sld xmlns:a="http://schemas.openxmlformats.org/drawingml/2006/main" xmlns:r="http://schemas.openxmlformats.org/officeDocument/2006/relationships" xmlns:p="http://schemas.openxmlformats.org/presentationml/2006/main">
-  <p:cSld>
-    <p:spTree>
-      <p:nvGrpSpPr>
-        <p:cNvPr id="1" name=""/>
-        <p:cNvGrpSpPr/>
-        <p:nvPr/>
-      </p:nvGrpSpPr>
-      <p:grpSpPr>
-        <a:xfrm>
-          <a:off x="0" y="0"/>
-          <a:ext cx="0" cy="0"/>
-          <a:chOff x="0" y="0"/>
-          <a:chExt cx="0" cy="0"/>
-        </a:xfrm>
-      </p:grpSpPr>
-      <p:sp>
-        <p:nvSpPr>
-          <p:cNvPr id="8" name="Elipse 7">
-            <a:extLst>
-              <a:ext uri="{FF2B5EF4-FFF2-40B4-BE49-F238E27FC236}">
-                <a16:creationId xmlns:a16="http://schemas.microsoft.com/office/drawing/2014/main" id="{BF06ECF6-F03C-4424-A68B-CD10279A3460}"/>
-              </a:ext>
-            </a:extLst>
-          </p:cNvPr>
-          <p:cNvSpPr/>
-          <p:nvPr/>
-        </p:nvSpPr>
-        <p:spPr>
-          <a:xfrm>
-            <a:off x="552450" y="366712"/>
-            <a:ext cx="1440000" cy="1440000"/>
-          </a:xfrm>
-          <a:prstGeom prst="ellipse">
-            <a:avLst/>
-          </a:prstGeom>
-          <a:noFill/>
-          <a:ln w="19050">
-            <a:solidFill>
-              <a:schemeClr val="tx1"/>
-            </a:solidFill>
-          </a:ln>
-        </p:spPr>
-        <p:style>
-          <a:lnRef idx="2">
-            <a:schemeClr val="accent1">
-              <a:shade val="50000"/>
-            </a:schemeClr>
-          </a:lnRef>
-          <a:fillRef idx="1">
-            <a:schemeClr val="accent1"/>
-          </a:fillRef>
-          <a:effectRef idx="0">
-            <a:schemeClr val="accent1"/>
-          </a:effectRef>
-          <a:fontRef idx="minor">
-            <a:schemeClr val="lt1"/>
-          </a:fontRef>
-        </p:style>
-        <p:txBody>
-          <a:bodyPr rtlCol="0" anchor="ctr"/>
-          <a:lstStyle/>
-          <a:p>
-            <a:pPr algn="ctr"/>
-            <a:endParaRPr lang="pt-BR"/>
-          </a:p>
-        </p:txBody>
-      </p:sp>
-      <p:sp>
-        <p:nvSpPr>
-          <p:cNvPr id="10" name="Elipse 9">
-            <a:extLst>
-              <a:ext uri="{FF2B5EF4-FFF2-40B4-BE49-F238E27FC236}">
-                <a16:creationId xmlns:a16="http://schemas.microsoft.com/office/drawing/2014/main" id="{F12FF248-C959-4A16-A0DE-7FB082B007E9}"/>
-              </a:ext>
-            </a:extLst>
-          </p:cNvPr>
-          <p:cNvSpPr/>
-          <p:nvPr/>
-        </p:nvSpPr>
-        <p:spPr>
-          <a:xfrm>
-            <a:off x="1276350" y="366712"/>
-            <a:ext cx="1440000" cy="1440000"/>
-          </a:xfrm>
-          <a:prstGeom prst="ellipse">
-            <a:avLst/>
-          </a:prstGeom>
-          <a:noFill/>
-          <a:ln w="19050">
-            <a:solidFill>
-              <a:schemeClr val="tx1"/>
-            </a:solidFill>
-          </a:ln>
-        </p:spPr>
-        <p:style>
-          <a:lnRef idx="2">
-            <a:schemeClr val="accent1">
-              <a:shade val="50000"/>
-            </a:schemeClr>
-          </a:lnRef>
-          <a:fillRef idx="1">
-            <a:schemeClr val="accent1"/>
-          </a:fillRef>
-          <a:effectRef idx="0">
-            <a:schemeClr val="accent1"/>
-          </a:effectRef>
-          <a:fontRef idx="minor">
-            <a:schemeClr val="lt1"/>
-          </a:fontRef>
-        </p:style>
-        <p:txBody>
-          <a:bodyPr rtlCol="0" anchor="ctr"/>
-          <a:lstStyle/>
-          <a:p>
-            <a:pPr algn="ctr"/>
-            <a:endParaRPr lang="pt-BR"/>
-          </a:p>
-        </p:txBody>
-      </p:sp>
-      <p:pic>
-        <p:nvPicPr>
-          <p:cNvPr id="12" name="Imagem 11">
-            <a:extLst>
-              <a:ext uri="{FF2B5EF4-FFF2-40B4-BE49-F238E27FC236}">
-                <a16:creationId xmlns:a16="http://schemas.microsoft.com/office/drawing/2014/main" id="{9121E073-9D9A-4DF5-A7F3-B7FF8EDE6B21}"/>
-              </a:ext>
-            </a:extLst>
-          </p:cNvPr>
-          <p:cNvPicPr>
-            <a:picLocks noChangeAspect="1"/>
-          </p:cNvPicPr>
-          <p:nvPr/>
-        </p:nvPicPr>
-        <p:blipFill>
-          <a:blip r:embed="rId2">
-            <a:extLst>
-              <a:ext uri="{28A0092B-C50C-407E-A947-70E740481C1C}">
-                <a14:useLocalDpi xmlns:a14="http://schemas.microsoft.com/office/drawing/2010/main" val="0"/>
-              </a:ext>
-            </a:extLst>
-          </a:blip>
-          <a:stretch>
-            <a:fillRect/>
-          </a:stretch>
-        </p:blipFill>
-        <p:spPr>
-          <a:xfrm>
-            <a:off x="9672485" y="199922"/>
-            <a:ext cx="2181529" cy="1467055"/>
-          </a:xfrm>
-          <a:prstGeom prst="rect">
-            <a:avLst/>
-          </a:prstGeom>
-        </p:spPr>
-      </p:pic>
-      <p:sp>
-        <p:nvSpPr>
-          <p:cNvPr id="13" name="Retângulo 12">
-            <a:extLst>
-              <a:ext uri="{FF2B5EF4-FFF2-40B4-BE49-F238E27FC236}">
-                <a16:creationId xmlns:a16="http://schemas.microsoft.com/office/drawing/2014/main" id="{6C56119D-EA3B-4868-9301-CC377D8E2B27}"/>
-              </a:ext>
-            </a:extLst>
-          </p:cNvPr>
-          <p:cNvSpPr/>
-          <p:nvPr/>
-        </p:nvSpPr>
-        <p:spPr>
-          <a:xfrm>
-            <a:off x="9849906" y="882134"/>
-            <a:ext cx="466474" cy="215444"/>
-          </a:xfrm>
-          <a:prstGeom prst="rect">
-            <a:avLst/>
-          </a:prstGeom>
-        </p:spPr>
-        <p:txBody>
-          <a:bodyPr wrap="none" lIns="0" tIns="0" rIns="0" bIns="0">
-            <a:spAutoFit/>
-          </a:bodyPr>
-          <a:lstStyle/>
-          <a:p>
-            <a:r>
-              <a:rPr lang="pt-BR" sz="1400" b="1" dirty="0">
-                <a:latin typeface="Arial" panose="020B0604020202020204" pitchFamily="34" charset="0"/>
-                <a:cs typeface="Times New Roman" panose="02020603050405020304" pitchFamily="18" charset="0"/>
-              </a:rPr>
-              <a:t>tb_01</a:t>
-            </a:r>
-            <a:endParaRPr lang="pt-BR" sz="1400" b="1" dirty="0"/>
-          </a:p>
-        </p:txBody>
-      </p:sp>
-      <p:sp>
-        <p:nvSpPr>
-          <p:cNvPr id="14" name="Retângulo 13">
-            <a:extLst>
-              <a:ext uri="{FF2B5EF4-FFF2-40B4-BE49-F238E27FC236}">
-                <a16:creationId xmlns:a16="http://schemas.microsoft.com/office/drawing/2014/main" id="{05AB835D-B0A3-4AF3-84BB-AE3FFC7FFBCB}"/>
-              </a:ext>
-            </a:extLst>
-          </p:cNvPr>
-          <p:cNvSpPr/>
-          <p:nvPr/>
-        </p:nvSpPr>
-        <p:spPr>
-          <a:xfrm>
-            <a:off x="11240556" y="882134"/>
-            <a:ext cx="466474" cy="215444"/>
-          </a:xfrm>
-          <a:prstGeom prst="rect">
-            <a:avLst/>
-          </a:prstGeom>
-        </p:spPr>
-        <p:txBody>
-          <a:bodyPr wrap="none" lIns="0" tIns="0" rIns="0" bIns="0">
-            <a:spAutoFit/>
-          </a:bodyPr>
-          <a:lstStyle/>
-          <a:p>
-            <a:r>
-              <a:rPr lang="pt-BR" sz="1400" b="1" dirty="0">
-                <a:latin typeface="Arial" panose="020B0604020202020204" pitchFamily="34" charset="0"/>
-                <a:cs typeface="Times New Roman" panose="02020603050405020304" pitchFamily="18" charset="0"/>
-              </a:rPr>
-              <a:t>tb_02</a:t>
-            </a:r>
-            <a:endParaRPr lang="pt-BR" sz="1400" b="1" dirty="0"/>
-          </a:p>
-        </p:txBody>
-      </p:sp>
-      <p:pic>
-        <p:nvPicPr>
-          <p:cNvPr id="9" name="Imagem 8">
-            <a:extLst>
-              <a:ext uri="{FF2B5EF4-FFF2-40B4-BE49-F238E27FC236}">
-                <a16:creationId xmlns:a16="http://schemas.microsoft.com/office/drawing/2014/main" id="{63306EC4-65CC-404E-B21B-9760CFFF8FD1}"/>
-              </a:ext>
-            </a:extLst>
-          </p:cNvPr>
-          <p:cNvPicPr>
-            <a:picLocks noChangeAspect="1"/>
-          </p:cNvPicPr>
-          <p:nvPr/>
-        </p:nvPicPr>
-        <p:blipFill>
-          <a:blip r:embed="rId3">
-            <a:extLst>
-              <a:ext uri="{28A0092B-C50C-407E-A947-70E740481C1C}">
-                <a14:useLocalDpi xmlns:a14="http://schemas.microsoft.com/office/drawing/2010/main" val="0"/>
-              </a:ext>
-            </a:extLst>
-          </a:blip>
-          <a:stretch>
-            <a:fillRect/>
-          </a:stretch>
-        </p:blipFill>
-        <p:spPr>
-          <a:xfrm flipH="1">
-            <a:off x="5384930" y="1804758"/>
-            <a:ext cx="1422138" cy="956375"/>
-          </a:xfrm>
-          <a:prstGeom prst="rect">
-            <a:avLst/>
-          </a:prstGeom>
-        </p:spPr>
-      </p:pic>
-      <p:pic>
-        <p:nvPicPr>
-          <p:cNvPr id="11" name="Imagem 10">
-            <a:extLst>
-              <a:ext uri="{FF2B5EF4-FFF2-40B4-BE49-F238E27FC236}">
-                <a16:creationId xmlns:a16="http://schemas.microsoft.com/office/drawing/2014/main" id="{66EE404D-F9E8-48F9-8860-057C443AE089}"/>
-              </a:ext>
-            </a:extLst>
-          </p:cNvPr>
-          <p:cNvPicPr>
-            <a:picLocks noChangeAspect="1"/>
-          </p:cNvPicPr>
-          <p:nvPr/>
-        </p:nvPicPr>
-        <p:blipFill>
-          <a:blip r:embed="rId4"/>
-          <a:stretch>
-            <a:fillRect/>
-          </a:stretch>
-        </p:blipFill>
-        <p:spPr>
-          <a:xfrm>
-            <a:off x="5420363" y="2157754"/>
-            <a:ext cx="1351272" cy="250382"/>
-          </a:xfrm>
-          <a:prstGeom prst="rect">
-            <a:avLst/>
-          </a:prstGeom>
-        </p:spPr>
-      </p:pic>
-      <p:pic>
-        <p:nvPicPr>
-          <p:cNvPr id="3" name="Imagem 2">
-            <a:extLst>
-              <a:ext uri="{FF2B5EF4-FFF2-40B4-BE49-F238E27FC236}">
-                <a16:creationId xmlns:a16="http://schemas.microsoft.com/office/drawing/2014/main" id="{E3A51A4D-8A4B-4683-B8A5-A2D879BBD937}"/>
-              </a:ext>
-            </a:extLst>
-          </p:cNvPr>
-          <p:cNvPicPr>
-            <a:picLocks noChangeAspect="1"/>
-          </p:cNvPicPr>
-          <p:nvPr/>
-        </p:nvPicPr>
-        <p:blipFill>
-          <a:blip r:embed="rId5">
-            <a:extLst>
-              <a:ext uri="{28A0092B-C50C-407E-A947-70E740481C1C}">
-                <a14:useLocalDpi xmlns:a14="http://schemas.microsoft.com/office/drawing/2010/main" val="0"/>
-              </a:ext>
-            </a:extLst>
-          </a:blip>
-          <a:stretch>
-            <a:fillRect/>
-          </a:stretch>
-        </p:blipFill>
-        <p:spPr>
-          <a:xfrm>
-            <a:off x="3032494" y="2761133"/>
-            <a:ext cx="6127011" cy="4096867"/>
-          </a:xfrm>
-          <a:prstGeom prst="rect">
-            <a:avLst/>
-          </a:prstGeom>
-        </p:spPr>
-      </p:pic>
-    </p:spTree>
-    <p:extLst>
-      <p:ext uri="{BB962C8B-B14F-4D97-AF65-F5344CB8AC3E}">
-        <p14:creationId xmlns:p14="http://schemas.microsoft.com/office/powerpoint/2010/main" val="4105289379"/>
       </p:ext>
     </p:extLst>
   </p:cSld>
